--- a/第5章嵌入式系统硬件技术基础/第5章嵌入式系统硬件技术基础.pptx
+++ b/第5章嵌入式系统硬件技术基础/第5章嵌入式系统硬件技术基础.pptx
@@ -5,7 +5,7 @@
     <p:sldMasterId id="2147483694" r:id="rId1"/>
   </p:sldMasterIdLst>
   <p:notesMasterIdLst>
-    <p:notesMasterId r:id="rId68"/>
+    <p:notesMasterId r:id="rId69"/>
   </p:notesMasterIdLst>
   <p:sldIdLst>
     <p:sldId id="256" r:id="rId2"/>
@@ -73,7 +73,8 @@
     <p:sldId id="396" r:id="rId64"/>
     <p:sldId id="395" r:id="rId65"/>
     <p:sldId id="394" r:id="rId66"/>
-    <p:sldId id="398" r:id="rId67"/>
+    <p:sldId id="399" r:id="rId67"/>
+    <p:sldId id="398" r:id="rId68"/>
   </p:sldIdLst>
   <p:sldSz cx="12192000" cy="6858000"/>
   <p:notesSz cx="6858000" cy="9144000"/>
@@ -347,7 +348,7 @@
               <a:pPr>
                 <a:defRPr/>
               </a:pPr>
-              <a:t>4/13/2021</a:t>
+              <a:t>4/20/2021</a:t>
             </a:fld>
             <a:endParaRPr lang="en-US"/>
           </a:p>
@@ -801,6 +802,159 @@
 </p:notes>
 </file>
 
+<file path=ppt/notesSlides/notesSlide10.xml><?xml version="1.0" encoding="utf-8"?>
+<p:notes xmlns:a="http://schemas.openxmlformats.org/drawingml/2006/main" xmlns:r="http://schemas.openxmlformats.org/officeDocument/2006/relationships" xmlns:p="http://schemas.openxmlformats.org/presentationml/2006/main">
+  <p:cSld>
+    <p:spTree>
+      <p:nvGrpSpPr>
+        <p:cNvPr id="1" name=""/>
+        <p:cNvGrpSpPr/>
+        <p:nvPr/>
+      </p:nvGrpSpPr>
+      <p:grpSpPr>
+        <a:xfrm>
+          <a:off x="0" y="0"/>
+          <a:ext cx="0" cy="0"/>
+          <a:chOff x="0" y="0"/>
+          <a:chExt cx="0" cy="0"/>
+        </a:xfrm>
+      </p:grpSpPr>
+      <p:sp>
+        <p:nvSpPr>
+          <p:cNvPr id="2" name="幻灯片图像占位符 1"/>
+          <p:cNvSpPr>
+            <a:spLocks noGrp="1" noRot="1" noChangeAspect="1"/>
+          </p:cNvSpPr>
+          <p:nvPr>
+            <p:ph type="sldImg"/>
+          </p:nvPr>
+        </p:nvSpPr>
+        <p:spPr/>
+      </p:sp>
+      <p:sp>
+        <p:nvSpPr>
+          <p:cNvPr id="3" name="备注占位符 2"/>
+          <p:cNvSpPr>
+            <a:spLocks noGrp="1"/>
+          </p:cNvSpPr>
+          <p:nvPr>
+            <p:ph type="body" idx="1"/>
+          </p:nvPr>
+        </p:nvSpPr>
+        <p:spPr/>
+        <p:txBody>
+          <a:bodyPr/>
+          <a:lstStyle/>
+          <a:p>
+            <a:r>
+              <a:rPr lang="el-GR" altLang="zh-CN" dirty="0"/>
+              <a:t>Τ</a:t>
+            </a:r>
+            <a:r>
+              <a:rPr lang="en-US" altLang="zh-CN" dirty="0"/>
+              <a:t>=RC</a:t>
+            </a:r>
+            <a:r>
+              <a:rPr lang="zh-CN" altLang="en-US" dirty="0"/>
+              <a:t>，</a:t>
+            </a:r>
+            <a:r>
+              <a:rPr lang="en-US" altLang="zh-CN" dirty="0"/>
+              <a:t>V=VCC*(1-EXP(-t/RC)),t</a:t>
+            </a:r>
+            <a:r>
+              <a:rPr lang="zh-CN" altLang="en-US" dirty="0"/>
+              <a:t>常为</a:t>
+            </a:r>
+            <a:r>
+              <a:rPr lang="en-US" altLang="zh-CN" dirty="0"/>
+              <a:t>1~3</a:t>
+            </a:r>
+            <a:r>
+              <a:rPr lang="zh-CN" altLang="en-US" dirty="0"/>
+              <a:t>个</a:t>
+            </a:r>
+            <a:r>
+              <a:rPr lang="en-US" altLang="zh-CN" dirty="0"/>
+              <a:t>RC</a:t>
+            </a:r>
+            <a:r>
+              <a:rPr lang="zh-CN" altLang="en-US" dirty="0"/>
+              <a:t>，若</a:t>
+            </a:r>
+            <a:r>
+              <a:rPr lang="en-US" altLang="zh-CN" dirty="0"/>
+              <a:t>R=10k</a:t>
+            </a:r>
+            <a:r>
+              <a:rPr lang="el-GR" altLang="zh-CN" dirty="0"/>
+              <a:t>Ω</a:t>
+            </a:r>
+            <a:r>
+              <a:rPr lang="zh-CN" altLang="el-GR" dirty="0"/>
+              <a:t>，</a:t>
+            </a:r>
+            <a:r>
+              <a:rPr lang="en-US" altLang="zh-CN" dirty="0"/>
+              <a:t>C=10uF</a:t>
+            </a:r>
+            <a:r>
+              <a:rPr lang="zh-CN" altLang="en-US" dirty="0"/>
+              <a:t>，则</a:t>
+            </a:r>
+            <a:r>
+              <a:rPr lang="en-US" altLang="zh-CN" dirty="0"/>
+              <a:t>t=100ms</a:t>
+            </a:r>
+            <a:r>
+              <a:rPr lang="zh-CN" altLang="en-US" dirty="0"/>
+              <a:t>。</a:t>
+            </a:r>
+          </a:p>
+        </p:txBody>
+      </p:sp>
+      <p:sp>
+        <p:nvSpPr>
+          <p:cNvPr id="4" name="灯片编号占位符 3"/>
+          <p:cNvSpPr>
+            <a:spLocks noGrp="1"/>
+          </p:cNvSpPr>
+          <p:nvPr>
+            <p:ph type="sldNum" sz="quarter" idx="5"/>
+          </p:nvPr>
+        </p:nvSpPr>
+        <p:spPr/>
+        <p:txBody>
+          <a:bodyPr/>
+          <a:lstStyle/>
+          <a:p>
+            <a:pPr>
+              <a:defRPr/>
+            </a:pPr>
+            <a:fld id="{FEC8B060-60E9-461F-AC81-9EF7CB3206F9}" type="slidenum">
+              <a:rPr lang="en-US" smtClean="0"/>
+              <a:pPr>
+                <a:defRPr/>
+              </a:pPr>
+              <a:t>64</a:t>
+            </a:fld>
+            <a:endParaRPr lang="en-US"/>
+          </a:p>
+        </p:txBody>
+      </p:sp>
+    </p:spTree>
+    <p:extLst>
+      <p:ext uri="{BB962C8B-B14F-4D97-AF65-F5344CB8AC3E}">
+        <p14:creationId xmlns:p14="http://schemas.microsoft.com/office/powerpoint/2010/main" val="343241194"/>
+      </p:ext>
+    </p:extLst>
+  </p:cSld>
+  <p:clrMapOvr>
+    <a:masterClrMapping/>
+  </p:clrMapOvr>
+</p:notes>
+</file>
+
 <file path=ppt/notesSlides/notesSlide2.xml><?xml version="1.0" encoding="utf-8"?>
 <p:notes xmlns:a="http://schemas.openxmlformats.org/drawingml/2006/main" xmlns:r="http://schemas.openxmlformats.org/officeDocument/2006/relationships" xmlns:p="http://schemas.openxmlformats.org/presentationml/2006/main">
   <p:cSld>
@@ -1229,7 +1383,35 @@
           <a:p>
             <a:r>
               <a:rPr lang="zh-CN" altLang="en-US" dirty="0"/>
-              <a:t>反电平逻辑</a:t>
+              <a:t>反电平逻辑，</a:t>
+            </a:r>
+            <a:r>
+              <a:rPr lang="en-US" altLang="zh-CN" dirty="0"/>
+              <a:t>TTL</a:t>
+            </a:r>
+            <a:r>
+              <a:rPr lang="zh-CN" altLang="en-US" dirty="0"/>
+              <a:t>高电平</a:t>
+            </a:r>
+            <a:r>
+              <a:rPr lang="en-US" altLang="zh-CN" dirty="0"/>
+              <a:t>3.3v</a:t>
+            </a:r>
+            <a:r>
+              <a:rPr lang="zh-CN" altLang="en-US" dirty="0"/>
+              <a:t>或</a:t>
+            </a:r>
+            <a:r>
+              <a:rPr lang="en-US" altLang="zh-CN" dirty="0"/>
+              <a:t>5v</a:t>
+            </a:r>
+            <a:r>
+              <a:rPr lang="zh-CN" altLang="en-US" dirty="0"/>
+              <a:t>低电平</a:t>
+            </a:r>
+            <a:r>
+              <a:rPr lang="en-US" altLang="zh-CN" dirty="0"/>
+              <a:t>0.4v</a:t>
             </a:r>
           </a:p>
         </p:txBody>
@@ -1320,18 +1502,6 @@
           <a:bodyPr/>
           <a:lstStyle/>
           <a:p>
-            <a:r>
-              <a:rPr lang="en-US" altLang="zh-CN" dirty="0"/>
-              <a:t>Request Transmit Sign</a:t>
-            </a:r>
-            <a:r>
-              <a:rPr lang="zh-CN" altLang="en-US" dirty="0"/>
-              <a:t>、</a:t>
-            </a:r>
-            <a:r>
-              <a:rPr lang="en-US" altLang="zh-CN" dirty="0"/>
-              <a:t>Clear Transmit Sign</a:t>
-            </a:r>
             <a:endParaRPr lang="zh-CN" altLang="en-US" dirty="0"/>
           </a:p>
         </p:txBody>
@@ -1359,6 +1529,132 @@
               <a:pPr>
                 <a:defRPr/>
               </a:pPr>
+              <a:t>48</a:t>
+            </a:fld>
+            <a:endParaRPr lang="en-US"/>
+          </a:p>
+        </p:txBody>
+      </p:sp>
+    </p:spTree>
+    <p:extLst>
+      <p:ext uri="{BB962C8B-B14F-4D97-AF65-F5344CB8AC3E}">
+        <p14:creationId xmlns:p14="http://schemas.microsoft.com/office/powerpoint/2010/main" val="1015690047"/>
+      </p:ext>
+    </p:extLst>
+  </p:cSld>
+  <p:clrMapOvr>
+    <a:masterClrMapping/>
+  </p:clrMapOvr>
+</p:notes>
+</file>
+
+<file path=ppt/notesSlides/notesSlide8.xml><?xml version="1.0" encoding="utf-8"?>
+<p:notes xmlns:a="http://schemas.openxmlformats.org/drawingml/2006/main" xmlns:r="http://schemas.openxmlformats.org/officeDocument/2006/relationships" xmlns:p="http://schemas.openxmlformats.org/presentationml/2006/main">
+  <p:cSld>
+    <p:spTree>
+      <p:nvGrpSpPr>
+        <p:cNvPr id="1" name=""/>
+        <p:cNvGrpSpPr/>
+        <p:nvPr/>
+      </p:nvGrpSpPr>
+      <p:grpSpPr>
+        <a:xfrm>
+          <a:off x="0" y="0"/>
+          <a:ext cx="0" cy="0"/>
+          <a:chOff x="0" y="0"/>
+          <a:chExt cx="0" cy="0"/>
+        </a:xfrm>
+      </p:grpSpPr>
+      <p:sp>
+        <p:nvSpPr>
+          <p:cNvPr id="2" name="幻灯片图像占位符 1"/>
+          <p:cNvSpPr>
+            <a:spLocks noGrp="1" noRot="1" noChangeAspect="1"/>
+          </p:cNvSpPr>
+          <p:nvPr>
+            <p:ph type="sldImg"/>
+          </p:nvPr>
+        </p:nvSpPr>
+        <p:spPr/>
+      </p:sp>
+      <p:sp>
+        <p:nvSpPr>
+          <p:cNvPr id="3" name="备注占位符 2"/>
+          <p:cNvSpPr>
+            <a:spLocks noGrp="1"/>
+          </p:cNvSpPr>
+          <p:nvPr>
+            <p:ph type="body" idx="1"/>
+          </p:nvPr>
+        </p:nvSpPr>
+        <p:spPr/>
+        <p:txBody>
+          <a:bodyPr/>
+          <a:lstStyle/>
+          <a:p>
+            <a:r>
+              <a:rPr lang="en-US" altLang="zh-CN" dirty="0"/>
+              <a:t>Request Transmit Sign</a:t>
+            </a:r>
+            <a:r>
+              <a:rPr lang="zh-CN" altLang="en-US" dirty="0"/>
+              <a:t>、</a:t>
+            </a:r>
+            <a:r>
+              <a:rPr lang="en-US" altLang="zh-CN" dirty="0"/>
+              <a:t>Clear Transmit Sign</a:t>
+            </a:r>
+            <a:r>
+              <a:rPr lang="zh-CN" altLang="en-US" dirty="0"/>
+              <a:t>，</a:t>
+            </a:r>
+            <a:r>
+              <a:rPr lang="en-US" altLang="zh-CN" dirty="0"/>
+              <a:t>Data Service Ready</a:t>
+            </a:r>
+            <a:r>
+              <a:rPr lang="zh-CN" altLang="en-US" dirty="0"/>
+              <a:t>，</a:t>
+            </a:r>
+            <a:r>
+              <a:rPr lang="en-US" altLang="zh-CN" dirty="0"/>
+              <a:t>Data Terminal Ready, Data Carrier Detection</a:t>
+            </a:r>
+            <a:r>
+              <a:rPr lang="zh-CN" altLang="en-US" dirty="0"/>
+              <a:t>，</a:t>
+            </a:r>
+            <a:r>
+              <a:rPr lang="en-US" altLang="zh-CN" dirty="0"/>
+              <a:t>Ring Indicator</a:t>
+            </a:r>
+            <a:endParaRPr lang="zh-CN" altLang="en-US" dirty="0"/>
+          </a:p>
+        </p:txBody>
+      </p:sp>
+      <p:sp>
+        <p:nvSpPr>
+          <p:cNvPr id="4" name="灯片编号占位符 3"/>
+          <p:cNvSpPr>
+            <a:spLocks noGrp="1"/>
+          </p:cNvSpPr>
+          <p:nvPr>
+            <p:ph type="sldNum" sz="quarter" idx="5"/>
+          </p:nvPr>
+        </p:nvSpPr>
+        <p:spPr/>
+        <p:txBody>
+          <a:bodyPr/>
+          <a:lstStyle/>
+          <a:p>
+            <a:pPr>
+              <a:defRPr/>
+            </a:pPr>
+            <a:fld id="{FEC8B060-60E9-461F-AC81-9EF7CB3206F9}" type="slidenum">
+              <a:rPr lang="en-US" smtClean="0"/>
+              <a:pPr>
+                <a:defRPr/>
+              </a:pPr>
               <a:t>51</a:t>
             </a:fld>
             <a:endParaRPr lang="en-US"/>
@@ -1369,6 +1665,131 @@
     <p:extLst>
       <p:ext uri="{BB962C8B-B14F-4D97-AF65-F5344CB8AC3E}">
         <p14:creationId xmlns:p14="http://schemas.microsoft.com/office/powerpoint/2010/main" val="2110351278"/>
+      </p:ext>
+    </p:extLst>
+  </p:cSld>
+  <p:clrMapOvr>
+    <a:masterClrMapping/>
+  </p:clrMapOvr>
+</p:notes>
+</file>
+
+<file path=ppt/notesSlides/notesSlide9.xml><?xml version="1.0" encoding="utf-8"?>
+<p:notes xmlns:a="http://schemas.openxmlformats.org/drawingml/2006/main" xmlns:r="http://schemas.openxmlformats.org/officeDocument/2006/relationships" xmlns:p="http://schemas.openxmlformats.org/presentationml/2006/main">
+  <p:cSld>
+    <p:spTree>
+      <p:nvGrpSpPr>
+        <p:cNvPr id="1" name=""/>
+        <p:cNvGrpSpPr/>
+        <p:nvPr/>
+      </p:nvGrpSpPr>
+      <p:grpSpPr>
+        <a:xfrm>
+          <a:off x="0" y="0"/>
+          <a:ext cx="0" cy="0"/>
+          <a:chOff x="0" y="0"/>
+          <a:chExt cx="0" cy="0"/>
+        </a:xfrm>
+      </p:grpSpPr>
+      <p:sp>
+        <p:nvSpPr>
+          <p:cNvPr id="2" name="幻灯片图像占位符 1"/>
+          <p:cNvSpPr>
+            <a:spLocks noGrp="1" noRot="1" noChangeAspect="1"/>
+          </p:cNvSpPr>
+          <p:nvPr>
+            <p:ph type="sldImg"/>
+          </p:nvPr>
+        </p:nvSpPr>
+        <p:spPr/>
+      </p:sp>
+      <p:sp>
+        <p:nvSpPr>
+          <p:cNvPr id="3" name="备注占位符 2"/>
+          <p:cNvSpPr>
+            <a:spLocks noGrp="1"/>
+          </p:cNvSpPr>
+          <p:nvPr>
+            <p:ph type="body" idx="1"/>
+          </p:nvPr>
+        </p:nvSpPr>
+        <p:spPr/>
+        <p:txBody>
+          <a:bodyPr/>
+          <a:lstStyle/>
+          <a:p>
+            <a:r>
+              <a:rPr lang="zh-CN" altLang="en-US" sz="1200" b="0" i="0" kern="1200" dirty="0">
+                <a:solidFill>
+                  <a:schemeClr val="tx1"/>
+                </a:solidFill>
+                <a:effectLst/>
+                <a:latin typeface="+mn-lt"/>
+                <a:ea typeface="+mn-ea"/>
+                <a:cs typeface="+mn-cs"/>
+              </a:rPr>
+              <a:t>把电能和机械能相互转化的晶体在共振的状态下工作，以提供稳定，精确的单频振荡。</a:t>
+            </a:r>
+            <a:endParaRPr lang="en-US" altLang="zh-CN" sz="1200" b="0" i="0" kern="1200" dirty="0">
+              <a:solidFill>
+                <a:schemeClr val="tx1"/>
+              </a:solidFill>
+              <a:effectLst/>
+              <a:latin typeface="+mn-lt"/>
+              <a:ea typeface="+mn-ea"/>
+              <a:cs typeface="+mn-cs"/>
+            </a:endParaRPr>
+          </a:p>
+          <a:p>
+            <a:r>
+              <a:rPr lang="zh-CN" altLang="en-US" sz="1200" b="0" i="0" kern="1200" dirty="0">
+                <a:solidFill>
+                  <a:schemeClr val="tx1"/>
+                </a:solidFill>
+                <a:effectLst/>
+                <a:latin typeface="+mn-lt"/>
+                <a:ea typeface="+mn-ea"/>
+                <a:cs typeface="+mn-cs"/>
+              </a:rPr>
+              <a:t>其内部有电源存在，则这种器件叫做有源器件</a:t>
+            </a:r>
+            <a:endParaRPr lang="zh-CN" altLang="en-US" dirty="0"/>
+          </a:p>
+        </p:txBody>
+      </p:sp>
+      <p:sp>
+        <p:nvSpPr>
+          <p:cNvPr id="4" name="灯片编号占位符 3"/>
+          <p:cNvSpPr>
+            <a:spLocks noGrp="1"/>
+          </p:cNvSpPr>
+          <p:nvPr>
+            <p:ph type="sldNum" sz="quarter" idx="5"/>
+          </p:nvPr>
+        </p:nvSpPr>
+        <p:spPr/>
+        <p:txBody>
+          <a:bodyPr/>
+          <a:lstStyle/>
+          <a:p>
+            <a:pPr>
+              <a:defRPr/>
+            </a:pPr>
+            <a:fld id="{FEC8B060-60E9-461F-AC81-9EF7CB3206F9}" type="slidenum">
+              <a:rPr lang="en-US" smtClean="0"/>
+              <a:pPr>
+                <a:defRPr/>
+              </a:pPr>
+              <a:t>61</a:t>
+            </a:fld>
+            <a:endParaRPr lang="en-US"/>
+          </a:p>
+        </p:txBody>
+      </p:sp>
+    </p:spTree>
+    <p:extLst>
+      <p:ext uri="{BB962C8B-B14F-4D97-AF65-F5344CB8AC3E}">
+        <p14:creationId xmlns:p14="http://schemas.microsoft.com/office/powerpoint/2010/main" val="1368127510"/>
       </p:ext>
     </p:extLst>
   </p:cSld>
@@ -1706,7 +2127,7 @@
               <a:pPr>
                 <a:defRPr/>
               </a:pPr>
-              <a:t>4/13/2021 3:30 PM</a:t>
+              <a:t>4/20/2021 2:11 PM</a:t>
             </a:fld>
             <a:endParaRPr lang="en-US" dirty="0"/>
           </a:p>
@@ -1916,7 +2337,7 @@
               <a:pPr>
                 <a:defRPr/>
               </a:pPr>
-              <a:t>4/13/2021 3:30 PM</a:t>
+              <a:t>4/20/2021 2:11 PM</a:t>
             </a:fld>
             <a:endParaRPr lang="en-US" dirty="0"/>
           </a:p>
@@ -2286,7 +2707,7 @@
               <a:pPr>
                 <a:defRPr/>
               </a:pPr>
-              <a:t>4/13/2021 3:30 PM</a:t>
+              <a:t>4/20/2021 2:11 PM</a:t>
             </a:fld>
             <a:endParaRPr lang="en-US" dirty="0"/>
           </a:p>
@@ -2586,7 +3007,7 @@
               <a:pPr>
                 <a:defRPr/>
               </a:pPr>
-              <a:t>4/13/2021 3:30 PM</a:t>
+              <a:t>4/20/2021 2:11 PM</a:t>
             </a:fld>
             <a:endParaRPr lang="en-US" dirty="0"/>
           </a:p>
@@ -2987,7 +3408,7 @@
               <a:pPr>
                 <a:defRPr/>
               </a:pPr>
-              <a:t>4/13/2021 3:30 PM</a:t>
+              <a:t>4/20/2021 2:11 PM</a:t>
             </a:fld>
             <a:endParaRPr lang="en-US"/>
           </a:p>
@@ -3252,7 +3673,7 @@
               <a:pPr>
                 <a:defRPr/>
               </a:pPr>
-              <a:t>4/13/2021 3:30 PM</a:t>
+              <a:t>4/20/2021 2:11 PM</a:t>
             </a:fld>
             <a:endParaRPr lang="en-US"/>
           </a:p>
@@ -3601,7 +4022,7 @@
               <a:pPr>
                 <a:defRPr/>
               </a:pPr>
-              <a:t>4/13/2021 3:30 PM</a:t>
+              <a:t>4/20/2021 2:11 PM</a:t>
             </a:fld>
             <a:endParaRPr lang="en-US"/>
           </a:p>
@@ -3745,7 +4166,7 @@
               <a:pPr>
                 <a:defRPr/>
               </a:pPr>
-              <a:t>4/13/2021 3:30 PM</a:t>
+              <a:t>4/20/2021 2:11 PM</a:t>
             </a:fld>
             <a:endParaRPr lang="en-US"/>
           </a:p>
@@ -3866,7 +4287,7 @@
               <a:pPr>
                 <a:defRPr/>
               </a:pPr>
-              <a:t>4/13/2021 3:30 PM</a:t>
+              <a:t>4/20/2021 2:11 PM</a:t>
             </a:fld>
             <a:endParaRPr lang="en-US"/>
           </a:p>
@@ -4116,7 +4537,7 @@
               <a:pPr>
                 <a:defRPr/>
               </a:pPr>
-              <a:t>4/13/2021 3:30 PM</a:t>
+              <a:t>4/20/2021 2:11 PM</a:t>
             </a:fld>
             <a:endParaRPr lang="en-US"/>
           </a:p>
@@ -4597,7 +5018,7 @@
               <a:pPr>
                 <a:defRPr/>
               </a:pPr>
-              <a:t>4/13/2021 3:30 PM</a:t>
+              <a:t>4/20/2021 2:11 PM</a:t>
             </a:fld>
             <a:endParaRPr lang="en-US"/>
           </a:p>
@@ -4872,7 +5293,7 @@
               <a:pPr>
                 <a:defRPr/>
               </a:pPr>
-              <a:t>4/13/2021 3:30 PM</a:t>
+              <a:t>4/20/2021 2:11 PM</a:t>
             </a:fld>
             <a:endParaRPr lang="en-US" dirty="0"/>
           </a:p>
@@ -17943,7 +18364,19 @@
             </a:r>
             <a:r>
               <a:rPr lang="zh-CN" altLang="en-US" sz="3300" dirty="0"/>
-              <a:t>。当两台设备以全双工方式直接通信</a:t>
+              <a:t>。当两台设备以</a:t>
+            </a:r>
+            <a:r>
+              <a:rPr lang="zh-CN" altLang="en-US" sz="3300" dirty="0">
+                <a:solidFill>
+                  <a:srgbClr val="FF0000"/>
+                </a:solidFill>
+              </a:rPr>
+              <a:t>全双工方式</a:t>
+            </a:r>
+            <a:r>
+              <a:rPr lang="zh-CN" altLang="en-US" sz="3300" dirty="0"/>
+              <a:t>直接通信</a:t>
             </a:r>
             <a:r>
               <a:rPr lang="en-US" altLang="zh-CN" sz="3300" dirty="0"/>
@@ -17997,20 +18430,40 @@
               <a:t>：信号地，所有的信号都要通过信号地线构成耦合回路。通信线有</a:t>
             </a:r>
             <a:r>
-              <a:rPr lang="en-US" altLang="zh-CN" sz="3300" dirty="0"/>
+              <a:rPr lang="en-US" altLang="zh-CN" sz="3300" dirty="0">
+                <a:solidFill>
+                  <a:srgbClr val="FF0000"/>
+                </a:solidFill>
+              </a:rPr>
               <a:t>TXD</a:t>
             </a:r>
             <a:r>
+              <a:rPr lang="zh-CN" altLang="en-US" sz="3300" dirty="0">
+                <a:solidFill>
+                  <a:srgbClr val="FF0000"/>
+                </a:solidFill>
+              </a:rPr>
+              <a:t>、</a:t>
+            </a:r>
+            <a:r>
+              <a:rPr lang="en-US" altLang="zh-CN" sz="3300" dirty="0">
+                <a:solidFill>
+                  <a:srgbClr val="FF0000"/>
+                </a:solidFill>
+              </a:rPr>
+              <a:t>RXD </a:t>
+            </a:r>
+            <a:r>
+              <a:rPr lang="zh-CN" altLang="en-US" sz="3300" dirty="0">
+                <a:solidFill>
+                  <a:srgbClr val="FF0000"/>
+                </a:solidFill>
+              </a:rPr>
+              <a:t>和信号地</a:t>
+            </a:r>
+            <a:r>
               <a:rPr lang="zh-CN" altLang="en-US" sz="3300" dirty="0"/>
-              <a:t>、</a:t>
-            </a:r>
-            <a:r>
-              <a:rPr lang="en-US" altLang="zh-CN" sz="3300" dirty="0"/>
-              <a:t>RXD </a:t>
-            </a:r>
-            <a:r>
-              <a:rPr lang="zh-CN" altLang="en-US" sz="3300" dirty="0"/>
-              <a:t>和信号地三条就可以工作。其余信号主要用于双方设备通信过程中的联络</a:t>
+              <a:t>三条就可以工作。其余信号主要用于双方设备通信过程中的联络</a:t>
             </a:r>
             <a:r>
               <a:rPr lang="en-US" altLang="zh-CN" sz="3300" dirty="0"/>
@@ -18103,7 +18556,15 @@
             </a:r>
             <a:r>
               <a:rPr lang="zh-CN" altLang="en-US" sz="3300" dirty="0"/>
-              <a:t>：请求发送信号 </a:t>
+              <a:t>：</a:t>
+            </a:r>
+            <a:r>
+              <a:rPr lang="zh-CN" altLang="en-US" sz="3300" dirty="0">
+                <a:solidFill>
+                  <a:srgbClr val="FF0000"/>
+                </a:solidFill>
+              </a:rPr>
+              <a:t>请求发送信号 </a:t>
             </a:r>
             <a:r>
               <a:rPr lang="en-US" altLang="zh-CN" sz="3300" dirty="0"/>
@@ -18111,7 +18572,7 @@
             </a:r>
             <a:r>
               <a:rPr lang="zh-CN" altLang="en-US" sz="3300" dirty="0"/>
-              <a:t>是</a:t>
+              <a:t>是发送器输出的准备好信号。接收方准备好后送回</a:t>
             </a:r>
             <a:r>
               <a:rPr lang="zh-CN" altLang="en-US" sz="3300" dirty="0">
@@ -18119,23 +18580,7 @@
                   <a:srgbClr val="FF0000"/>
                 </a:solidFill>
               </a:rPr>
-              <a:t>发送器输出的准备好</a:t>
-            </a:r>
-            <a:r>
-              <a:rPr lang="zh-CN" altLang="en-US" sz="3300" dirty="0"/>
-              <a:t>信号。</a:t>
-            </a:r>
-            <a:r>
-              <a:rPr lang="zh-CN" altLang="en-US" sz="3300" dirty="0">
-                <a:solidFill>
-                  <a:srgbClr val="FF0000"/>
-                </a:solidFill>
-              </a:rPr>
-              <a:t>接收方准备好</a:t>
-            </a:r>
-            <a:r>
-              <a:rPr lang="zh-CN" altLang="en-US" sz="3300" dirty="0"/>
-              <a:t>后送回清除发送信号 </a:t>
+              <a:t>清除发送信号 </a:t>
             </a:r>
             <a:r>
               <a:rPr lang="en-US" altLang="zh-CN" sz="3300" dirty="0"/>
@@ -18257,19 +18702,7 @@
             </a:r>
             <a:r>
               <a:rPr lang="zh-CN" altLang="en-US" sz="3300" dirty="0"/>
-              <a:t>信号，在</a:t>
-            </a:r>
-            <a:r>
-              <a:rPr lang="zh-CN" altLang="en-US" sz="3300" dirty="0">
-                <a:solidFill>
-                  <a:srgbClr val="FF0000"/>
-                </a:solidFill>
-              </a:rPr>
-              <a:t>收到</a:t>
-            </a:r>
-            <a:r>
-              <a:rPr lang="zh-CN" altLang="en-US" sz="3300" dirty="0"/>
-              <a:t>数据通信</a:t>
+              <a:t>信号，在收到数据通信</a:t>
             </a:r>
             <a:r>
               <a:rPr lang="zh-CN" altLang="en-US" sz="3300" dirty="0">
@@ -18532,7 +18965,19 @@
             </a:r>
             <a:r>
               <a:rPr lang="zh-CN" altLang="en-US" sz="3200" dirty="0"/>
-              <a:t>定义了一种全双工平衡通信接口，将传输速率提高到</a:t>
+              <a:t>定义了一种</a:t>
+            </a:r>
+            <a:r>
+              <a:rPr lang="zh-CN" altLang="en-US" sz="3200" dirty="0">
+                <a:solidFill>
+                  <a:srgbClr val="FF0000"/>
+                </a:solidFill>
+              </a:rPr>
+              <a:t>全双工平衡通信接口</a:t>
+            </a:r>
+            <a:r>
+              <a:rPr lang="zh-CN" altLang="en-US" sz="3200" dirty="0"/>
+              <a:t>，将传输速率提高到</a:t>
             </a:r>
             <a:r>
               <a:rPr lang="en-US" altLang="zh-CN" sz="3200" dirty="0"/>
@@ -18687,11 +19132,11 @@
           <a:p>
             <a:pPr eaLnBrk="1" hangingPunct="1"/>
             <a:r>
-              <a:rPr lang="en-US" altLang="zh-CN" sz="4000"/>
+              <a:rPr lang="en-US" altLang="zh-CN" sz="4000" dirty="0"/>
               <a:t>5.3.3 </a:t>
             </a:r>
             <a:r>
-              <a:rPr lang="zh-CN" altLang="en-US" sz="4000"/>
+              <a:rPr lang="zh-CN" altLang="en-US" sz="4000" dirty="0"/>
               <a:t>网络接口</a:t>
             </a:r>
           </a:p>
@@ -18747,31 +19192,81 @@
             </a:r>
             <a:r>
               <a:rPr lang="zh-CN" altLang="en-US" sz="3600" dirty="0"/>
-              <a:t>），是由多个计算机网络相互连接而成的网络，它是在功能和逻辑上组成的一个大型网络。按照传输技术来分类，网络又可分为以太网</a:t>
-            </a:r>
-            <a:r>
-              <a:rPr lang="en-US" altLang="zh-CN" sz="3600" dirty="0"/>
+              <a:t>），是由多个计算机网络相互连接而成的网络，它是在功能和逻辑上组成的一个大型网络。按照传输技术来分类，网络又可分为</a:t>
+            </a:r>
+            <a:endParaRPr lang="en-US" altLang="zh-CN" sz="3600" dirty="0"/>
+          </a:p>
+          <a:p>
+            <a:pPr marL="0" indent="0" eaLnBrk="1" hangingPunct="1">
+              <a:buNone/>
+            </a:pPr>
+            <a:r>
+              <a:rPr lang="en-US" altLang="zh-CN" sz="3600" dirty="0">
+                <a:solidFill>
+                  <a:srgbClr val="FF0000"/>
+                </a:solidFill>
+              </a:rPr>
+              <a:t>   </a:t>
+            </a:r>
+            <a:r>
+              <a:rPr lang="zh-CN" altLang="en-US" sz="3600" dirty="0">
+                <a:solidFill>
+                  <a:srgbClr val="FF0000"/>
+                </a:solidFill>
+              </a:rPr>
+              <a:t>以太网</a:t>
+            </a:r>
+            <a:r>
+              <a:rPr lang="en-US" altLang="zh-CN" sz="3600" dirty="0">
+                <a:solidFill>
+                  <a:srgbClr val="FF0000"/>
+                </a:solidFill>
+              </a:rPr>
               <a:t>Ethernet </a:t>
             </a:r>
             <a:r>
+              <a:rPr lang="zh-CN" altLang="en-US" sz="3600" dirty="0">
+                <a:solidFill>
+                  <a:srgbClr val="FF0000"/>
+                </a:solidFill>
+              </a:rPr>
+              <a:t>、</a:t>
+            </a:r>
+            <a:r>
+              <a:rPr lang="en-US" altLang="zh-CN" sz="3600" dirty="0">
+                <a:solidFill>
+                  <a:srgbClr val="FF0000"/>
+                </a:solidFill>
+              </a:rPr>
+              <a:t>ATM</a:t>
+            </a:r>
+            <a:r>
+              <a:rPr lang="zh-CN" altLang="en-US" sz="3600" dirty="0">
+                <a:solidFill>
+                  <a:srgbClr val="FF0000"/>
+                </a:solidFill>
+              </a:rPr>
+              <a:t>网、</a:t>
+            </a:r>
+            <a:r>
+              <a:rPr lang="en-US" altLang="zh-CN" sz="3600" dirty="0">
+                <a:solidFill>
+                  <a:srgbClr val="FF0000"/>
+                </a:solidFill>
+              </a:rPr>
+              <a:t>FDDI</a:t>
+            </a:r>
+            <a:r>
+              <a:rPr lang="zh-CN" altLang="en-US" sz="3600" dirty="0">
+                <a:solidFill>
+                  <a:srgbClr val="FF0000"/>
+                </a:solidFill>
+              </a:rPr>
+              <a:t>网</a:t>
+            </a:r>
+            <a:r>
               <a:rPr lang="zh-CN" altLang="en-US" sz="3600" dirty="0"/>
-              <a:t>、</a:t>
-            </a:r>
-            <a:r>
-              <a:rPr lang="en-US" altLang="zh-CN" sz="3600" dirty="0"/>
-              <a:t>ATM</a:t>
-            </a:r>
-            <a:r>
-              <a:rPr lang="zh-CN" altLang="en-US" sz="3600" dirty="0"/>
-              <a:t>网、</a:t>
-            </a:r>
-            <a:r>
-              <a:rPr lang="en-US" altLang="zh-CN" sz="3600" dirty="0"/>
-              <a:t>FDDI</a:t>
-            </a:r>
-            <a:r>
-              <a:rPr lang="zh-CN" altLang="en-US" sz="3600" dirty="0"/>
-              <a:t>网等。</a:t>
+              <a:t>等。</a:t>
             </a:r>
           </a:p>
         </p:txBody>
@@ -18891,7 +19386,19 @@
             <a:pPr eaLnBrk="1" hangingPunct="1"/>
             <a:r>
               <a:rPr lang="zh-CN" altLang="en-US" sz="3200" dirty="0"/>
-              <a:t>以太网的访问控制方式采用带冲突检测的载波侦听多路访问（</a:t>
+              <a:t>以太网的访问控制方式采用</a:t>
+            </a:r>
+            <a:r>
+              <a:rPr lang="zh-CN" altLang="en-US" sz="3200" dirty="0">
+                <a:solidFill>
+                  <a:srgbClr val="FF0000"/>
+                </a:solidFill>
+              </a:rPr>
+              <a:t>带冲突检测</a:t>
+            </a:r>
+            <a:r>
+              <a:rPr lang="zh-CN" altLang="en-US" sz="3200" dirty="0"/>
+              <a:t>的载波侦听多路访问（</a:t>
             </a:r>
             <a:r>
               <a:rPr lang="en-US" altLang="zh-CN" sz="3200" dirty="0"/>
@@ -18968,14 +19475,52 @@
         </p:blipFill>
         <p:spPr>
           <a:xfrm>
-            <a:off x="10344472" y="5157192"/>
-            <a:ext cx="1715044" cy="1517154"/>
+            <a:off x="4151784" y="1988840"/>
+            <a:ext cx="5291024" cy="4680520"/>
           </a:xfrm>
           <a:prstGeom prst="rect">
             <a:avLst/>
           </a:prstGeom>
         </p:spPr>
       </p:pic>
+      <p:sp>
+        <p:nvSpPr>
+          <p:cNvPr id="5" name="标题 1">
+            <a:extLst>
+              <a:ext uri="{FF2B5EF4-FFF2-40B4-BE49-F238E27FC236}">
+                <a16:creationId xmlns:a16="http://schemas.microsoft.com/office/drawing/2014/main" id="{439FFEBD-15A2-44CD-A6B2-61596E19E5A9}"/>
+              </a:ext>
+            </a:extLst>
+          </p:cNvPr>
+          <p:cNvSpPr>
+            <a:spLocks noGrp="1"/>
+          </p:cNvSpPr>
+          <p:nvPr>
+            <p:ph type="title"/>
+          </p:nvPr>
+        </p:nvSpPr>
+        <p:spPr>
+          <a:xfrm>
+            <a:off x="816864" y="228600"/>
+            <a:ext cx="10871200" cy="990600"/>
+          </a:xfrm>
+        </p:spPr>
+        <p:txBody>
+          <a:bodyPr/>
+          <a:lstStyle/>
+          <a:p>
+            <a:r>
+              <a:rPr lang="zh-CN" altLang="en-US" dirty="0"/>
+              <a:t>以太网</a:t>
+            </a:r>
+            <a:r>
+              <a:rPr lang="en-US" altLang="zh-CN" dirty="0"/>
+              <a:t>Ethernet </a:t>
+            </a:r>
+            <a:endParaRPr lang="zh-CN" altLang="en-US" dirty="0"/>
+          </a:p>
+        </p:txBody>
+      </p:sp>
     </p:spTree>
   </p:cSld>
   <p:clrMapOvr>
@@ -19183,11 +19728,207 @@
           </a:p>
         </p:txBody>
       </p:sp>
+      <p:pic>
+        <p:nvPicPr>
+          <p:cNvPr id="3" name="图片 2">
+            <a:extLst>
+              <a:ext uri="{FF2B5EF4-FFF2-40B4-BE49-F238E27FC236}">
+                <a16:creationId xmlns:a16="http://schemas.microsoft.com/office/drawing/2014/main" id="{CBB0E075-1676-4F7F-9177-7009634F1F29}"/>
+              </a:ext>
+            </a:extLst>
+          </p:cNvPr>
+          <p:cNvPicPr>
+            <a:picLocks noChangeAspect="1"/>
+          </p:cNvPicPr>
+          <p:nvPr/>
+        </p:nvPicPr>
+        <p:blipFill>
+          <a:blip r:embed="rId2"/>
+          <a:stretch>
+            <a:fillRect/>
+          </a:stretch>
+        </p:blipFill>
+        <p:spPr>
+          <a:xfrm>
+            <a:off x="1559496" y="1556792"/>
+            <a:ext cx="9358171" cy="5072312"/>
+          </a:xfrm>
+          <a:prstGeom prst="rect">
+            <a:avLst/>
+          </a:prstGeom>
+        </p:spPr>
+      </p:pic>
+      <p:sp>
+        <p:nvSpPr>
+          <p:cNvPr id="5" name="标题 1">
+            <a:extLst>
+              <a:ext uri="{FF2B5EF4-FFF2-40B4-BE49-F238E27FC236}">
+                <a16:creationId xmlns:a16="http://schemas.microsoft.com/office/drawing/2014/main" id="{DE96224D-CE0E-40CD-83CD-85BF5DA3EFB4}"/>
+              </a:ext>
+            </a:extLst>
+          </p:cNvPr>
+          <p:cNvSpPr>
+            <a:spLocks noGrp="1"/>
+          </p:cNvSpPr>
+          <p:nvPr>
+            <p:ph type="title"/>
+          </p:nvPr>
+        </p:nvSpPr>
+        <p:spPr>
+          <a:xfrm>
+            <a:off x="816864" y="228600"/>
+            <a:ext cx="10871200" cy="990600"/>
+          </a:xfrm>
+        </p:spPr>
+        <p:txBody>
+          <a:bodyPr/>
+          <a:lstStyle/>
+          <a:p>
+            <a:r>
+              <a:rPr lang="zh-CN" altLang="en-US" dirty="0"/>
+              <a:t>以太网</a:t>
+            </a:r>
+            <a:r>
+              <a:rPr lang="en-US" altLang="zh-CN" dirty="0"/>
+              <a:t>Ethernet </a:t>
+            </a:r>
+            <a:endParaRPr lang="zh-CN" altLang="en-US" dirty="0"/>
+          </a:p>
+        </p:txBody>
+      </p:sp>
     </p:spTree>
   </p:cSld>
   <p:clrMapOvr>
     <a:masterClrMapping/>
   </p:clrMapOvr>
+  <p:timing>
+    <p:tnLst>
+      <p:par>
+        <p:cTn id="1" dur="indefinite" restart="never" nodeType="tmRoot">
+          <p:childTnLst>
+            <p:seq concurrent="1" nextAc="seek">
+              <p:cTn id="2" dur="indefinite" nodeType="mainSeq">
+                <p:childTnLst>
+                  <p:par>
+                    <p:cTn id="3" fill="hold">
+                      <p:stCondLst>
+                        <p:cond delay="indefinite"/>
+                      </p:stCondLst>
+                      <p:childTnLst>
+                        <p:par>
+                          <p:cTn id="4" fill="hold">
+                            <p:stCondLst>
+                              <p:cond delay="0"/>
+                            </p:stCondLst>
+                            <p:childTnLst>
+                              <p:par>
+                                <p:cTn id="5" presetID="1" presetClass="entr" presetSubtype="0" fill="hold" nodeType="clickEffect">
+                                  <p:stCondLst>
+                                    <p:cond delay="0"/>
+                                  </p:stCondLst>
+                                  <p:childTnLst>
+                                    <p:set>
+                                      <p:cBhvr>
+                                        <p:cTn id="6" dur="1" fill="hold">
+                                          <p:stCondLst>
+                                            <p:cond delay="0"/>
+                                          </p:stCondLst>
+                                        </p:cTn>
+                                        <p:tgtEl>
+                                          <p:spTgt spid="3"/>
+                                        </p:tgtEl>
+                                        <p:attrNameLst>
+                                          <p:attrName>style.visibility</p:attrName>
+                                        </p:attrNameLst>
+                                      </p:cBhvr>
+                                      <p:to>
+                                        <p:strVal val="visible"/>
+                                      </p:to>
+                                    </p:set>
+                                  </p:childTnLst>
+                                </p:cTn>
+                              </p:par>
+                            </p:childTnLst>
+                          </p:cTn>
+                        </p:par>
+                      </p:childTnLst>
+                    </p:cTn>
+                  </p:par>
+                  <p:par>
+                    <p:cTn id="7" fill="hold">
+                      <p:stCondLst>
+                        <p:cond delay="indefinite"/>
+                      </p:stCondLst>
+                      <p:childTnLst>
+                        <p:par>
+                          <p:cTn id="8" fill="hold">
+                            <p:stCondLst>
+                              <p:cond delay="0"/>
+                            </p:stCondLst>
+                            <p:childTnLst>
+                              <p:par>
+                                <p:cTn id="9" presetID="10" presetClass="exit" presetSubtype="0" fill="hold" nodeType="clickEffect">
+                                  <p:stCondLst>
+                                    <p:cond delay="0"/>
+                                  </p:stCondLst>
+                                  <p:childTnLst>
+                                    <p:animEffect transition="out" filter="fade">
+                                      <p:cBhvr>
+                                        <p:cTn id="10" dur="500"/>
+                                        <p:tgtEl>
+                                          <p:spTgt spid="3"/>
+                                        </p:tgtEl>
+                                      </p:cBhvr>
+                                    </p:animEffect>
+                                    <p:set>
+                                      <p:cBhvr>
+                                        <p:cTn id="11" dur="1" fill="hold">
+                                          <p:stCondLst>
+                                            <p:cond delay="499"/>
+                                          </p:stCondLst>
+                                        </p:cTn>
+                                        <p:tgtEl>
+                                          <p:spTgt spid="3"/>
+                                        </p:tgtEl>
+                                        <p:attrNameLst>
+                                          <p:attrName>style.visibility</p:attrName>
+                                        </p:attrNameLst>
+                                      </p:cBhvr>
+                                      <p:to>
+                                        <p:strVal val="hidden"/>
+                                      </p:to>
+                                    </p:set>
+                                  </p:childTnLst>
+                                </p:cTn>
+                              </p:par>
+                            </p:childTnLst>
+                          </p:cTn>
+                        </p:par>
+                      </p:childTnLst>
+                    </p:cTn>
+                  </p:par>
+                </p:childTnLst>
+              </p:cTn>
+              <p:prevCondLst>
+                <p:cond evt="onPrev" delay="0">
+                  <p:tgtEl>
+                    <p:sldTgt/>
+                  </p:tgtEl>
+                </p:cond>
+              </p:prevCondLst>
+              <p:nextCondLst>
+                <p:cond evt="onNext" delay="0">
+                  <p:tgtEl>
+                    <p:sldTgt/>
+                  </p:tgtEl>
+                </p:cond>
+              </p:nextCondLst>
+            </p:seq>
+          </p:childTnLst>
+        </p:cTn>
+      </p:par>
+    </p:tnLst>
+  </p:timing>
 </p:sld>
 </file>
 
@@ -19974,6 +20715,44 @@
           </a:p>
         </p:txBody>
       </p:sp>
+      <p:sp>
+        <p:nvSpPr>
+          <p:cNvPr id="5" name="标题 1">
+            <a:extLst>
+              <a:ext uri="{FF2B5EF4-FFF2-40B4-BE49-F238E27FC236}">
+                <a16:creationId xmlns:a16="http://schemas.microsoft.com/office/drawing/2014/main" id="{ADF52E84-03BF-4FCC-8E87-EA609EA30EAF}"/>
+              </a:ext>
+            </a:extLst>
+          </p:cNvPr>
+          <p:cNvSpPr>
+            <a:spLocks noGrp="1"/>
+          </p:cNvSpPr>
+          <p:nvPr>
+            <p:ph type="title"/>
+          </p:nvPr>
+        </p:nvSpPr>
+        <p:spPr>
+          <a:xfrm>
+            <a:off x="816864" y="228600"/>
+            <a:ext cx="10871200" cy="990600"/>
+          </a:xfrm>
+        </p:spPr>
+        <p:txBody>
+          <a:bodyPr/>
+          <a:lstStyle/>
+          <a:p>
+            <a:r>
+              <a:rPr lang="zh-CN" altLang="en-US" dirty="0"/>
+              <a:t>以太网</a:t>
+            </a:r>
+            <a:r>
+              <a:rPr lang="en-US" altLang="zh-CN" dirty="0"/>
+              <a:t>Ethernet </a:t>
+            </a:r>
+            <a:endParaRPr lang="zh-CN" altLang="en-US" dirty="0"/>
+          </a:p>
+        </p:txBody>
+      </p:sp>
     </p:spTree>
   </p:cSld>
   <p:clrMapOvr>
@@ -20061,8 +20840,16 @@
               <a:t>: </a:t>
             </a:r>
             <a:r>
+              <a:rPr lang="zh-CN" altLang="en-US" sz="3600" dirty="0">
+                <a:solidFill>
+                  <a:srgbClr val="FF0000"/>
+                </a:solidFill>
+              </a:rPr>
+              <a:t>嵌入式处理器、电源电路、时钟电路、复位电路</a:t>
+            </a:r>
+            <a:r>
               <a:rPr lang="zh-CN" altLang="en-US" sz="3600" dirty="0"/>
-              <a:t>嵌入式处理器、电源电路、时钟电路、复位电路及扩展电路（需要时）。图</a:t>
+              <a:t>及扩展电路（需要时）。图</a:t>
             </a:r>
             <a:r>
               <a:rPr lang="en-US" altLang="zh-CN" sz="3600" dirty="0"/>
@@ -20242,7 +21029,19 @@
             <a:pPr eaLnBrk="1" hangingPunct="1"/>
             <a:r>
               <a:rPr lang="zh-CN" altLang="en-US" sz="3600" dirty="0"/>
-              <a:t>为了防止电源系统引入干扰，必须为系统提供稳定可靠的电源供电。嵌入式系统中往往需要提供多种电压。图</a:t>
+              <a:t>为了防止电源系统引入干扰，必须为系统提供稳定可靠的电源供电。嵌入式系统中往往需要提供</a:t>
+            </a:r>
+            <a:r>
+              <a:rPr lang="zh-CN" altLang="en-US" sz="3600" dirty="0">
+                <a:solidFill>
+                  <a:srgbClr val="FF0000"/>
+                </a:solidFill>
+              </a:rPr>
+              <a:t>多种电压</a:t>
+            </a:r>
+            <a:r>
+              <a:rPr lang="zh-CN" altLang="en-US" sz="3600" dirty="0"/>
+              <a:t>。图</a:t>
             </a:r>
             <a:r>
               <a:rPr lang="en-US" altLang="zh-CN" sz="3600" dirty="0"/>
@@ -20258,14 +21057,30 @@
             </a:r>
             <a:r>
               <a:rPr lang="zh-CN" altLang="en-US" sz="3600" dirty="0"/>
-              <a:t>为核心的嵌入式系统的典型电源电路：系统输入</a:t>
-            </a:r>
-            <a:r>
-              <a:rPr lang="en-US" altLang="zh-CN" sz="3600" dirty="0"/>
+              <a:t>为核心的嵌入式系统的典型电源电路：系统</a:t>
+            </a:r>
+            <a:r>
+              <a:rPr lang="zh-CN" altLang="en-US" sz="3600" dirty="0">
+                <a:solidFill>
+                  <a:srgbClr val="FF0000"/>
+                </a:solidFill>
+              </a:rPr>
+              <a:t>输入</a:t>
+            </a:r>
+            <a:r>
+              <a:rPr lang="en-US" altLang="zh-CN" sz="3600" dirty="0">
+                <a:solidFill>
+                  <a:srgbClr val="FF0000"/>
+                </a:solidFill>
+              </a:rPr>
               <a:t>+5V</a:t>
             </a:r>
             <a:r>
-              <a:rPr lang="zh-CN" altLang="en-US" sz="3600" dirty="0"/>
+              <a:rPr lang="zh-CN" altLang="en-US" sz="3600" dirty="0">
+                <a:solidFill>
+                  <a:srgbClr val="FF0000"/>
+                </a:solidFill>
+              </a:rPr>
               <a:t>电源</a:t>
             </a:r>
             <a:r>
@@ -20306,7 +21121,19 @@
             </a:r>
             <a:r>
               <a:rPr lang="zh-CN" altLang="en-US" sz="3600" dirty="0"/>
-              <a:t>的工作电压。</a:t>
+              <a:t>的</a:t>
+            </a:r>
+            <a:r>
+              <a:rPr lang="zh-CN" altLang="en-US" sz="3600" dirty="0">
+                <a:solidFill>
+                  <a:srgbClr val="FF0000"/>
+                </a:solidFill>
+              </a:rPr>
+              <a:t>工作电压</a:t>
+            </a:r>
+            <a:r>
+              <a:rPr lang="zh-CN" altLang="en-US" sz="3600" dirty="0"/>
+              <a:t>。</a:t>
             </a:r>
             <a:r>
               <a:rPr lang="en-US" altLang="zh-CN" sz="3600" dirty="0"/>
@@ -20317,12 +21144,24 @@
               <a:t>电压供处理器的</a:t>
             </a:r>
             <a:r>
-              <a:rPr lang="en-US" altLang="zh-CN" sz="3600" dirty="0"/>
+              <a:rPr lang="en-US" altLang="zh-CN" sz="3600" dirty="0">
+                <a:solidFill>
+                  <a:srgbClr val="FF0000"/>
+                </a:solidFill>
+              </a:rPr>
               <a:t>IO</a:t>
             </a:r>
             <a:r>
+              <a:rPr lang="zh-CN" altLang="en-US" sz="3600" dirty="0">
+                <a:solidFill>
+                  <a:srgbClr val="FF0000"/>
+                </a:solidFill>
+              </a:rPr>
+              <a:t>接口</a:t>
+            </a:r>
+            <a:r>
               <a:rPr lang="zh-CN" altLang="en-US" sz="3600" dirty="0"/>
-              <a:t>接口及系统内大多数芯片使用，</a:t>
+              <a:t>及系统内大多数芯片使用，</a:t>
             </a:r>
             <a:r>
               <a:rPr lang="en-US" altLang="zh-CN" sz="3600" dirty="0"/>
@@ -20337,8 +21176,16 @@
               <a:t>S3C2410X </a:t>
             </a:r>
             <a:r>
+              <a:rPr lang="zh-CN" altLang="en-US" sz="3600" dirty="0">
+                <a:solidFill>
+                  <a:srgbClr val="FF0000"/>
+                </a:solidFill>
+              </a:rPr>
+              <a:t>内核</a:t>
+            </a:r>
+            <a:r>
               <a:rPr lang="zh-CN" altLang="en-US" sz="3600" dirty="0"/>
-              <a:t>内核使用。</a:t>
+              <a:t>使用。</a:t>
             </a:r>
           </a:p>
         </p:txBody>
@@ -20960,7 +21807,7 @@
         <p:spPr>
           <a:xfrm>
             <a:off x="504056" y="620688"/>
-            <a:ext cx="11784632" cy="4495800"/>
+            <a:ext cx="11784632" cy="6048672"/>
           </a:xfrm>
         </p:spPr>
         <p:txBody>
@@ -20970,7 +21817,55 @@
             <a:pPr eaLnBrk="1" hangingPunct="1"/>
             <a:r>
               <a:rPr lang="zh-CN" altLang="en-US" sz="3200" dirty="0"/>
-              <a:t>时钟电路用于产生处理器最基本的时间单位。处理器所有指令的执行和片内外设的工作都是由时钟的节拍控制完成的。嵌入式处理器的片内集成了振荡电路，片外只需接晶体。处理器引出两个引脚，分别是片内放大器的输入和输出，石英晶体接在这两个引脚上，如图</a:t>
+              <a:t>时钟电路用于产生处理器最基本的时间单位。处理器所有指令的执行和片内外设的工作都是由</a:t>
+            </a:r>
+            <a:r>
+              <a:rPr lang="zh-CN" altLang="en-US" sz="3200" dirty="0">
+                <a:solidFill>
+                  <a:srgbClr val="FF0000"/>
+                </a:solidFill>
+              </a:rPr>
+              <a:t>时钟的节拍</a:t>
+            </a:r>
+            <a:r>
+              <a:rPr lang="zh-CN" altLang="en-US" sz="3200" dirty="0"/>
+              <a:t>控制完成的。嵌入式处理器的</a:t>
+            </a:r>
+            <a:r>
+              <a:rPr lang="zh-CN" altLang="en-US" sz="3200" dirty="0">
+                <a:solidFill>
+                  <a:srgbClr val="FF0000"/>
+                </a:solidFill>
+              </a:rPr>
+              <a:t>片内</a:t>
+            </a:r>
+            <a:r>
+              <a:rPr lang="zh-CN" altLang="en-US" sz="3200" dirty="0"/>
+              <a:t>集成了</a:t>
+            </a:r>
+            <a:r>
+              <a:rPr lang="zh-CN" altLang="en-US" sz="3200" dirty="0">
+                <a:solidFill>
+                  <a:srgbClr val="FF0000"/>
+                </a:solidFill>
+              </a:rPr>
+              <a:t>振荡电路</a:t>
+            </a:r>
+            <a:r>
+              <a:rPr lang="zh-CN" altLang="en-US" sz="3200" dirty="0"/>
+              <a:t>，片外只需接晶体。处理器引出两个引脚，分别是片内放大器的</a:t>
+            </a:r>
+            <a:r>
+              <a:rPr lang="zh-CN" altLang="en-US" sz="3200" dirty="0">
+                <a:solidFill>
+                  <a:srgbClr val="FF0000"/>
+                </a:solidFill>
+              </a:rPr>
+              <a:t>输入和输出</a:t>
+            </a:r>
+            <a:r>
+              <a:rPr lang="zh-CN" altLang="en-US" sz="3200" dirty="0"/>
+              <a:t>，石英晶体接在这两个引脚上，如图</a:t>
             </a:r>
             <a:r>
               <a:rPr lang="en-US" altLang="zh-CN" sz="3200" dirty="0"/>
@@ -20985,7 +21880,55 @@
             <a:pPr eaLnBrk="1" hangingPunct="1"/>
             <a:r>
               <a:rPr lang="zh-CN" altLang="en-US" sz="3200" dirty="0"/>
-              <a:t>嵌入式系统的时钟还可以通过石英晶体振荡器提供。石英晶体振荡器简称晶振，把石英晶体和振荡电路集成一体，形成石英振荡器电路，直接输出时钟信号给处理器的时钟输入引脚。石英晶体振荡器是有源器件，有四个引脚，一个接地，一个接电源，一个输出时钟，还有一个是空脚。图</a:t>
+              <a:t>嵌入式系统的时钟还可以通过</a:t>
+            </a:r>
+            <a:r>
+              <a:rPr lang="zh-CN" altLang="en-US" sz="3200" dirty="0">
+                <a:solidFill>
+                  <a:srgbClr val="FF0000"/>
+                </a:solidFill>
+              </a:rPr>
+              <a:t>石英晶体振荡器</a:t>
+            </a:r>
+            <a:r>
+              <a:rPr lang="zh-CN" altLang="en-US" sz="3200" dirty="0"/>
+              <a:t>提供。石英晶体振荡器简称晶振，把石英晶体和振荡电路集成一体，形成石英振荡器电路，直接输出时钟信号给处理器的</a:t>
+            </a:r>
+            <a:r>
+              <a:rPr lang="zh-CN" altLang="en-US" sz="3200" dirty="0">
+                <a:solidFill>
+                  <a:srgbClr val="FF0000"/>
+                </a:solidFill>
+              </a:rPr>
+              <a:t>时钟输入引脚</a:t>
+            </a:r>
+            <a:r>
+              <a:rPr lang="zh-CN" altLang="en-US" sz="3200" dirty="0"/>
+              <a:t>。石英晶体振荡器是</a:t>
+            </a:r>
+            <a:r>
+              <a:rPr lang="zh-CN" altLang="en-US" sz="3200" dirty="0">
+                <a:solidFill>
+                  <a:srgbClr val="FF0000"/>
+                </a:solidFill>
+              </a:rPr>
+              <a:t>有源器件</a:t>
+            </a:r>
+            <a:r>
+              <a:rPr lang="zh-CN" altLang="en-US" sz="3200" dirty="0"/>
+              <a:t>，有四个引脚，一个接地，一个</a:t>
+            </a:r>
+            <a:r>
+              <a:rPr lang="zh-CN" altLang="en-US" sz="3200" dirty="0">
+                <a:solidFill>
+                  <a:srgbClr val="FF0000"/>
+                </a:solidFill>
+              </a:rPr>
+              <a:t>接电源</a:t>
+            </a:r>
+            <a:r>
+              <a:rPr lang="zh-CN" altLang="en-US" sz="3200" dirty="0"/>
+              <a:t>，一个输出时钟，还有一个是空脚。图</a:t>
             </a:r>
             <a:r>
               <a:rPr lang="en-US" altLang="zh-CN" sz="3200" dirty="0"/>
@@ -21146,7 +22089,7 @@
         </p:nvSpPr>
         <p:spPr>
           <a:xfrm>
-            <a:off x="119336" y="1600200"/>
+            <a:off x="119336" y="1539516"/>
             <a:ext cx="11881320" cy="5068888"/>
           </a:xfrm>
         </p:spPr>
@@ -21157,21 +22100,69 @@
             <a:pPr eaLnBrk="1" hangingPunct="1"/>
             <a:r>
               <a:rPr lang="zh-CN" altLang="en-US" sz="2800" dirty="0"/>
-              <a:t>复位是指通过某种方法使嵌入式处理器的内部资源处于一种固定的初始状态。比如程序从某个固定的入口地址开始运行，处理器内部的特殊功能寄存器恢复到固定的初值等。</a:t>
+              <a:t>复位是指通过某种方法使嵌入式处理器的内部资源处于一种</a:t>
+            </a:r>
+            <a:r>
+              <a:rPr lang="zh-CN" altLang="en-US" sz="2800" dirty="0">
+                <a:solidFill>
+                  <a:srgbClr val="FF0000"/>
+                </a:solidFill>
+              </a:rPr>
+              <a:t>固定的初始状态</a:t>
+            </a:r>
+            <a:r>
+              <a:rPr lang="zh-CN" altLang="en-US" sz="2800" dirty="0"/>
+              <a:t>。比如程序从某个固定的入口地址开始运行，处理器内部的特殊功能寄存器恢复到固定的初值等。</a:t>
             </a:r>
           </a:p>
           <a:p>
             <a:pPr eaLnBrk="1" hangingPunct="1"/>
             <a:r>
               <a:rPr lang="zh-CN" altLang="en-US" sz="2800" dirty="0"/>
-              <a:t>每个嵌入式处理器都有一个复位引脚，在这个引脚上加上固定宽度的复位信号后就可以复位处理器。不同处理器对复位信号的极性和电平宽度有不同的要求。</a:t>
+              <a:t>每个嵌入式处理器都有一个</a:t>
+            </a:r>
+            <a:r>
+              <a:rPr lang="zh-CN" altLang="en-US" sz="2800" dirty="0">
+                <a:solidFill>
+                  <a:srgbClr val="FF0000"/>
+                </a:solidFill>
+              </a:rPr>
+              <a:t>复位引脚</a:t>
+            </a:r>
+            <a:r>
+              <a:rPr lang="zh-CN" altLang="en-US" sz="2800" dirty="0"/>
+              <a:t>，在这个引脚上加上</a:t>
+            </a:r>
+            <a:r>
+              <a:rPr lang="zh-CN" altLang="en-US" sz="2800" dirty="0">
+                <a:solidFill>
+                  <a:srgbClr val="FF0000"/>
+                </a:solidFill>
+              </a:rPr>
+              <a:t>固定宽度的复位信号</a:t>
+            </a:r>
+            <a:r>
+              <a:rPr lang="zh-CN" altLang="en-US" sz="2800" dirty="0"/>
+              <a:t>后就可以复位处理器。不同处理器对复位信号的极性和电平宽度有不同的要求。</a:t>
             </a:r>
           </a:p>
           <a:p>
             <a:pPr eaLnBrk="1" hangingPunct="1"/>
             <a:r>
               <a:rPr lang="zh-CN" altLang="en-US" sz="2800" dirty="0"/>
-              <a:t>嵌入式系统的复位电路用于产生复位信号。常用的复位电路有阻容复位电路、手动复位电路、专用复位电路及软件复位。</a:t>
+              <a:t>嵌入式系统的复位电路用于产生复位信号。常用的复位电路有</a:t>
+            </a:r>
+            <a:r>
+              <a:rPr lang="zh-CN" altLang="en-US" sz="2800" dirty="0">
+                <a:solidFill>
+                  <a:srgbClr val="FF0000"/>
+                </a:solidFill>
+              </a:rPr>
+              <a:t>阻容复位电路</a:t>
+            </a:r>
+            <a:r>
+              <a:rPr lang="zh-CN" altLang="en-US" sz="2800" dirty="0"/>
+              <a:t>、手动复位电路、专用复位电路及软件复位。</a:t>
             </a:r>
           </a:p>
           <a:p>
@@ -21194,23 +22185,88 @@
             </a:r>
             <a:r>
               <a:rPr lang="zh-CN" altLang="en-US" sz="2800" dirty="0"/>
-              <a:t>）给出的是采用高电平复位的阻容复位电路图。它根据阻容电路充放电原理，可产生一定宽度的高电平复位信号，复位信号的宽度由</a:t>
-            </a:r>
-            <a:r>
-              <a:rPr lang="en-US" altLang="zh-CN" sz="2800" dirty="0"/>
+              <a:t>）给出的是采用高电平复位的阻容复位电路图。它根据阻容电路充放电原理，可产生</a:t>
+            </a:r>
+            <a:r>
+              <a:rPr lang="zh-CN" altLang="en-US" sz="2800" dirty="0">
+                <a:solidFill>
+                  <a:srgbClr val="FF0000"/>
+                </a:solidFill>
+              </a:rPr>
+              <a:t>一定宽度的高电平</a:t>
+            </a:r>
+            <a:r>
+              <a:rPr lang="zh-CN" altLang="en-US" sz="2800" dirty="0"/>
+              <a:t>复位信号，</a:t>
+            </a:r>
+            <a:r>
+              <a:rPr lang="zh-CN" altLang="en-US" sz="2800" dirty="0">
+                <a:solidFill>
+                  <a:srgbClr val="FF0000"/>
+                </a:solidFill>
+              </a:rPr>
+              <a:t>复位信号的宽度由</a:t>
+            </a:r>
+            <a:r>
+              <a:rPr lang="en-US" altLang="zh-CN" sz="2800" dirty="0">
+                <a:solidFill>
+                  <a:srgbClr val="FF0000"/>
+                </a:solidFill>
+              </a:rPr>
               <a:t>R</a:t>
             </a:r>
             <a:r>
-              <a:rPr lang="zh-CN" altLang="en-US" sz="2800" dirty="0"/>
+              <a:rPr lang="zh-CN" altLang="en-US" sz="2800" dirty="0">
+                <a:solidFill>
+                  <a:srgbClr val="FF0000"/>
+                </a:solidFill>
+              </a:rPr>
               <a:t>、</a:t>
             </a:r>
             <a:r>
-              <a:rPr lang="en-US" altLang="zh-CN" sz="2800" dirty="0"/>
+              <a:rPr lang="en-US" altLang="zh-CN" sz="2800" dirty="0">
+                <a:solidFill>
+                  <a:srgbClr val="FF0000"/>
+                </a:solidFill>
+              </a:rPr>
               <a:t>C</a:t>
             </a:r>
             <a:r>
               <a:rPr lang="zh-CN" altLang="en-US" sz="2800" dirty="0"/>
               <a:t>的值决定。</a:t>
+            </a:r>
+          </a:p>
+        </p:txBody>
+      </p:sp>
+      <p:sp>
+        <p:nvSpPr>
+          <p:cNvPr id="3" name="标题 1">
+            <a:extLst>
+              <a:ext uri="{FF2B5EF4-FFF2-40B4-BE49-F238E27FC236}">
+                <a16:creationId xmlns:a16="http://schemas.microsoft.com/office/drawing/2014/main" id="{E67FE333-013C-4293-AB23-DF1AF549A544}"/>
+              </a:ext>
+            </a:extLst>
+          </p:cNvPr>
+          <p:cNvSpPr>
+            <a:spLocks noGrp="1"/>
+          </p:cNvSpPr>
+          <p:nvPr>
+            <p:ph type="title"/>
+          </p:nvPr>
+        </p:nvSpPr>
+        <p:spPr>
+          <a:xfrm>
+            <a:off x="816864" y="228600"/>
+            <a:ext cx="10871200" cy="990600"/>
+          </a:xfrm>
+        </p:spPr>
+        <p:txBody>
+          <a:bodyPr/>
+          <a:lstStyle/>
+          <a:p>
+            <a:r>
+              <a:rPr lang="zh-CN" altLang="en-US" dirty="0"/>
+              <a:t>复位电路</a:t>
             </a:r>
           </a:p>
         </p:txBody>
@@ -21249,7 +22305,7 @@
           <p:nvPr/>
         </p:nvPicPr>
         <p:blipFill>
-          <a:blip r:embed="rId2"/>
+          <a:blip r:embed="rId3"/>
           <a:srcRect/>
           <a:stretch>
             <a:fillRect/>
@@ -21281,7 +22337,7 @@
           <p:nvPr/>
         </p:nvPicPr>
         <p:blipFill>
-          <a:blip r:embed="rId3"/>
+          <a:blip r:embed="rId4"/>
           <a:srcRect/>
           <a:stretch>
             <a:fillRect/>
@@ -21504,7 +22560,19 @@
             </a:r>
             <a:r>
               <a:rPr lang="zh-CN" altLang="en-US" sz="3200" dirty="0"/>
-              <a:t>）的电路可完成上电自动复位。为了便于系统调试和维护，自动复位电路往往要增加手动复位功能。具体做法是将手动复位开关产生的复位信号并接在自动复位电路上，产生出稳定的复位信号，如图</a:t>
+              <a:t>）的电路可完成上电自动复位。为了便于系统调试和维护，自动复位电路往往要增加手动复位功能。具体做法是将手动复位开关产生的复位信号</a:t>
+            </a:r>
+            <a:r>
+              <a:rPr lang="zh-CN" altLang="en-US" sz="3200" dirty="0">
+                <a:solidFill>
+                  <a:srgbClr val="FF0000"/>
+                </a:solidFill>
+              </a:rPr>
+              <a:t>并接在自动复位电路</a:t>
+            </a:r>
+            <a:r>
+              <a:rPr lang="zh-CN" altLang="en-US" sz="3200" dirty="0"/>
+              <a:t>上，产生出稳定的复位信号，如图</a:t>
             </a:r>
             <a:r>
               <a:rPr lang="en-US" altLang="zh-CN" sz="3200" dirty="0"/>
@@ -21557,6 +22625,121 @@
           <a:p>
             <a:pPr eaLnBrk="1" hangingPunct="1"/>
             <a:endParaRPr lang="zh-CN" altLang="en-US" sz="3200" dirty="0"/>
+          </a:p>
+        </p:txBody>
+      </p:sp>
+      <p:sp>
+        <p:nvSpPr>
+          <p:cNvPr id="3" name="标题 1">
+            <a:extLst>
+              <a:ext uri="{FF2B5EF4-FFF2-40B4-BE49-F238E27FC236}">
+                <a16:creationId xmlns:a16="http://schemas.microsoft.com/office/drawing/2014/main" id="{4449FAF3-C5CE-434A-822E-48A01ADF5F24}"/>
+              </a:ext>
+            </a:extLst>
+          </p:cNvPr>
+          <p:cNvSpPr>
+            <a:spLocks noGrp="1"/>
+          </p:cNvSpPr>
+          <p:nvPr>
+            <p:ph type="title"/>
+          </p:nvPr>
+        </p:nvSpPr>
+        <p:spPr>
+          <a:xfrm>
+            <a:off x="816864" y="228600"/>
+            <a:ext cx="10871200" cy="990600"/>
+          </a:xfrm>
+        </p:spPr>
+        <p:txBody>
+          <a:bodyPr/>
+          <a:lstStyle/>
+          <a:p>
+            <a:r>
+              <a:rPr lang="zh-CN" altLang="en-US" dirty="0"/>
+              <a:t>复位电路</a:t>
+            </a:r>
+          </a:p>
+        </p:txBody>
+      </p:sp>
+      <p:pic>
+        <p:nvPicPr>
+          <p:cNvPr id="2" name="图片 1">
+            <a:extLst>
+              <a:ext uri="{FF2B5EF4-FFF2-40B4-BE49-F238E27FC236}">
+                <a16:creationId xmlns:a16="http://schemas.microsoft.com/office/drawing/2014/main" id="{D9E6331C-D9AB-43C6-8D75-5D31E2111204}"/>
+              </a:ext>
+            </a:extLst>
+          </p:cNvPr>
+          <p:cNvPicPr>
+            <a:picLocks noChangeAspect="1"/>
+          </p:cNvPicPr>
+          <p:nvPr/>
+        </p:nvPicPr>
+        <p:blipFill>
+          <a:blip r:embed="rId2"/>
+          <a:stretch>
+            <a:fillRect/>
+          </a:stretch>
+        </p:blipFill>
+        <p:spPr>
+          <a:xfrm>
+            <a:off x="1919536" y="1469003"/>
+            <a:ext cx="7922897" cy="5088008"/>
+          </a:xfrm>
+          <a:prstGeom prst="rect">
+            <a:avLst/>
+          </a:prstGeom>
+        </p:spPr>
+      </p:pic>
+      <p:sp>
+        <p:nvSpPr>
+          <p:cNvPr id="4" name="椭圆 3">
+            <a:extLst>
+              <a:ext uri="{FF2B5EF4-FFF2-40B4-BE49-F238E27FC236}">
+                <a16:creationId xmlns:a16="http://schemas.microsoft.com/office/drawing/2014/main" id="{60755AF6-218E-43F7-8CCA-8FDC1A271D3C}"/>
+              </a:ext>
+            </a:extLst>
+          </p:cNvPr>
+          <p:cNvSpPr/>
+          <p:nvPr/>
+        </p:nvSpPr>
+        <p:spPr>
+          <a:xfrm>
+            <a:off x="3791744" y="4005064"/>
+            <a:ext cx="2448272" cy="1872208"/>
+          </a:xfrm>
+          <a:prstGeom prst="ellipse">
+            <a:avLst/>
+          </a:prstGeom>
+          <a:noFill/>
+          <a:ln>
+            <a:solidFill>
+              <a:srgbClr val="FF0000"/>
+            </a:solidFill>
+          </a:ln>
+        </p:spPr>
+        <p:style>
+          <a:lnRef idx="2">
+            <a:schemeClr val="accent1">
+              <a:shade val="50000"/>
+            </a:schemeClr>
+          </a:lnRef>
+          <a:fillRef idx="1">
+            <a:schemeClr val="accent1"/>
+          </a:fillRef>
+          <a:effectRef idx="0">
+            <a:schemeClr val="accent1"/>
+          </a:effectRef>
+          <a:fontRef idx="minor">
+            <a:schemeClr val="lt1"/>
+          </a:fontRef>
+        </p:style>
+        <p:txBody>
+          <a:bodyPr rtlCol="0" anchor="ctr"/>
+          <a:lstStyle/>
+          <a:p>
+            <a:pPr algn="ctr"/>
+            <a:endParaRPr lang="zh-CN" altLang="en-US" dirty="0"/>
           </a:p>
         </p:txBody>
       </p:sp>
@@ -21565,10 +22748,569 @@
   <p:clrMapOvr>
     <a:masterClrMapping/>
   </p:clrMapOvr>
+  <p:timing>
+    <p:tnLst>
+      <p:par>
+        <p:cTn id="1" dur="indefinite" restart="never" nodeType="tmRoot">
+          <p:childTnLst>
+            <p:seq concurrent="1" nextAc="seek">
+              <p:cTn id="2" dur="indefinite" nodeType="mainSeq">
+                <p:childTnLst>
+                  <p:par>
+                    <p:cTn id="3" fill="hold">
+                      <p:stCondLst>
+                        <p:cond delay="indefinite"/>
+                      </p:stCondLst>
+                      <p:childTnLst>
+                        <p:par>
+                          <p:cTn id="4" fill="hold">
+                            <p:stCondLst>
+                              <p:cond delay="0"/>
+                            </p:stCondLst>
+                            <p:childTnLst>
+                              <p:par>
+                                <p:cTn id="5" presetID="1" presetClass="entr" presetSubtype="0" fill="hold" nodeType="clickEffect">
+                                  <p:stCondLst>
+                                    <p:cond delay="0"/>
+                                  </p:stCondLst>
+                                  <p:childTnLst>
+                                    <p:set>
+                                      <p:cBhvr>
+                                        <p:cTn id="6" dur="1" fill="hold">
+                                          <p:stCondLst>
+                                            <p:cond delay="0"/>
+                                          </p:stCondLst>
+                                        </p:cTn>
+                                        <p:tgtEl>
+                                          <p:spTgt spid="2"/>
+                                        </p:tgtEl>
+                                        <p:attrNameLst>
+                                          <p:attrName>style.visibility</p:attrName>
+                                        </p:attrNameLst>
+                                      </p:cBhvr>
+                                      <p:to>
+                                        <p:strVal val="visible"/>
+                                      </p:to>
+                                    </p:set>
+                                  </p:childTnLst>
+                                </p:cTn>
+                              </p:par>
+                            </p:childTnLst>
+                          </p:cTn>
+                        </p:par>
+                      </p:childTnLst>
+                    </p:cTn>
+                  </p:par>
+                  <p:par>
+                    <p:cTn id="7" fill="hold">
+                      <p:stCondLst>
+                        <p:cond delay="indefinite"/>
+                      </p:stCondLst>
+                      <p:childTnLst>
+                        <p:par>
+                          <p:cTn id="8" fill="hold">
+                            <p:stCondLst>
+                              <p:cond delay="0"/>
+                            </p:stCondLst>
+                            <p:childTnLst>
+                              <p:par>
+                                <p:cTn id="9" presetID="10" presetClass="entr" presetSubtype="0" fill="hold" grpId="0" nodeType="clickEffect">
+                                  <p:stCondLst>
+                                    <p:cond delay="0"/>
+                                  </p:stCondLst>
+                                  <p:childTnLst>
+                                    <p:set>
+                                      <p:cBhvr>
+                                        <p:cTn id="10" dur="1" fill="hold">
+                                          <p:stCondLst>
+                                            <p:cond delay="0"/>
+                                          </p:stCondLst>
+                                        </p:cTn>
+                                        <p:tgtEl>
+                                          <p:spTgt spid="4"/>
+                                        </p:tgtEl>
+                                        <p:attrNameLst>
+                                          <p:attrName>style.visibility</p:attrName>
+                                        </p:attrNameLst>
+                                      </p:cBhvr>
+                                      <p:to>
+                                        <p:strVal val="visible"/>
+                                      </p:to>
+                                    </p:set>
+                                    <p:animEffect transition="in" filter="fade">
+                                      <p:cBhvr>
+                                        <p:cTn id="11" dur="500"/>
+                                        <p:tgtEl>
+                                          <p:spTgt spid="4"/>
+                                        </p:tgtEl>
+                                      </p:cBhvr>
+                                    </p:animEffect>
+                                  </p:childTnLst>
+                                </p:cTn>
+                              </p:par>
+                            </p:childTnLst>
+                          </p:cTn>
+                        </p:par>
+                      </p:childTnLst>
+                    </p:cTn>
+                  </p:par>
+                </p:childTnLst>
+              </p:cTn>
+              <p:prevCondLst>
+                <p:cond evt="onPrev" delay="0">
+                  <p:tgtEl>
+                    <p:sldTgt/>
+                  </p:tgtEl>
+                </p:cond>
+              </p:prevCondLst>
+              <p:nextCondLst>
+                <p:cond evt="onNext" delay="0">
+                  <p:tgtEl>
+                    <p:sldTgt/>
+                  </p:tgtEl>
+                </p:cond>
+              </p:nextCondLst>
+            </p:seq>
+          </p:childTnLst>
+        </p:cTn>
+      </p:par>
+    </p:tnLst>
+    <p:bldLst>
+      <p:bldP spid="4" grpId="0" animBg="1"/>
+    </p:bldLst>
+  </p:timing>
 </p:sld>
 </file>
 
 <file path=ppt/slides/slide66.xml><?xml version="1.0" encoding="utf-8"?>
+<p:sld xmlns:a="http://schemas.openxmlformats.org/drawingml/2006/main" xmlns:r="http://schemas.openxmlformats.org/officeDocument/2006/relationships" xmlns:p="http://schemas.openxmlformats.org/presentationml/2006/main">
+  <p:cSld>
+    <p:spTree>
+      <p:nvGrpSpPr>
+        <p:cNvPr id="1" name=""/>
+        <p:cNvGrpSpPr/>
+        <p:nvPr/>
+      </p:nvGrpSpPr>
+      <p:grpSpPr>
+        <a:xfrm>
+          <a:off x="0" y="0"/>
+          <a:ext cx="0" cy="0"/>
+          <a:chOff x="0" y="0"/>
+          <a:chExt cx="0" cy="0"/>
+        </a:xfrm>
+      </p:grpSpPr>
+      <p:sp>
+        <p:nvSpPr>
+          <p:cNvPr id="2" name="标题 1">
+            <a:extLst>
+              <a:ext uri="{FF2B5EF4-FFF2-40B4-BE49-F238E27FC236}">
+                <a16:creationId xmlns:a16="http://schemas.microsoft.com/office/drawing/2014/main" id="{AF2D8ECB-C6AA-4C86-A2A3-59206CCA65C3}"/>
+              </a:ext>
+            </a:extLst>
+          </p:cNvPr>
+          <p:cNvSpPr>
+            <a:spLocks noGrp="1"/>
+          </p:cNvSpPr>
+          <p:nvPr>
+            <p:ph type="title"/>
+          </p:nvPr>
+        </p:nvSpPr>
+        <p:spPr/>
+        <p:txBody>
+          <a:bodyPr/>
+          <a:lstStyle/>
+          <a:p>
+            <a:r>
+              <a:rPr lang="zh-CN" altLang="en-US" dirty="0"/>
+              <a:t>计算复位时间</a:t>
+            </a:r>
+          </a:p>
+        </p:txBody>
+      </p:sp>
+      <p:pic>
+        <p:nvPicPr>
+          <p:cNvPr id="4" name="内容占位符 3">
+            <a:extLst>
+              <a:ext uri="{FF2B5EF4-FFF2-40B4-BE49-F238E27FC236}">
+                <a16:creationId xmlns:a16="http://schemas.microsoft.com/office/drawing/2014/main" id="{8222EA32-0DBB-43FB-9893-76FADAC8A19A}"/>
+              </a:ext>
+            </a:extLst>
+          </p:cNvPr>
+          <p:cNvPicPr>
+            <a:picLocks noGrp="1" noChangeAspect="1"/>
+          </p:cNvPicPr>
+          <p:nvPr>
+            <p:ph sz="quarter" idx="1"/>
+          </p:nvPr>
+        </p:nvPicPr>
+        <p:blipFill>
+          <a:blip r:embed="rId2"/>
+          <a:stretch>
+            <a:fillRect/>
+          </a:stretch>
+        </p:blipFill>
+        <p:spPr>
+          <a:xfrm>
+            <a:off x="119336" y="1700808"/>
+            <a:ext cx="3162300" cy="4152900"/>
+          </a:xfrm>
+          <a:prstGeom prst="rect">
+            <a:avLst/>
+          </a:prstGeom>
+        </p:spPr>
+      </p:pic>
+      <p:sp>
+        <p:nvSpPr>
+          <p:cNvPr id="5" name="内容占位符 2">
+            <a:extLst>
+              <a:ext uri="{FF2B5EF4-FFF2-40B4-BE49-F238E27FC236}">
+                <a16:creationId xmlns:a16="http://schemas.microsoft.com/office/drawing/2014/main" id="{1E548E4A-95CB-4207-9DEE-A85F7384AEDA}"/>
+              </a:ext>
+            </a:extLst>
+          </p:cNvPr>
+          <p:cNvSpPr txBox="1">
+            <a:spLocks/>
+          </p:cNvSpPr>
+          <p:nvPr/>
+        </p:nvSpPr>
+        <p:spPr bwMode="auto">
+          <a:xfrm>
+            <a:off x="3431704" y="1529358"/>
+            <a:ext cx="8760296" cy="5100042"/>
+          </a:xfrm>
+          <a:prstGeom prst="rect">
+            <a:avLst/>
+          </a:prstGeom>
+          <a:noFill/>
+          <a:ln w="9525">
+            <a:noFill/>
+            <a:miter lim="800000"/>
+            <a:headEnd/>
+            <a:tailEnd/>
+          </a:ln>
+        </p:spPr>
+        <p:txBody>
+          <a:bodyPr vert="horz" wrap="square" lIns="91440" tIns="45720" rIns="91440" bIns="45720" numCol="1" anchor="t" anchorCtr="0" compatLnSpc="1">
+            <a:prstTxWarp prst="textNoShape">
+              <a:avLst/>
+            </a:prstTxWarp>
+          </a:bodyPr>
+          <a:lstStyle>
+            <a:lvl1pPr marL="319096" indent="-319096" algn="l" rtl="0" eaLnBrk="0" fontAlgn="base" hangingPunct="0">
+              <a:spcBef>
+                <a:spcPts val="700"/>
+              </a:spcBef>
+              <a:spcAft>
+                <a:spcPct val="0"/>
+              </a:spcAft>
+              <a:buClr>
+                <a:schemeClr val="accent2"/>
+              </a:buClr>
+              <a:buSzPct val="60000"/>
+              <a:buFont typeface="Wingdings" pitchFamily="2" charset="2"/>
+              <a:buChar char=""/>
+              <a:defRPr sz="2900" kern="1200">
+                <a:solidFill>
+                  <a:schemeClr val="tx1"/>
+                </a:solidFill>
+                <a:latin typeface="+mn-lt"/>
+                <a:ea typeface="+mn-ea"/>
+                <a:cs typeface="+mn-cs"/>
+              </a:defRPr>
+            </a:lvl1pPr>
+            <a:lvl2pPr marL="639779" indent="-273057" algn="l" rtl="0" eaLnBrk="0" fontAlgn="base" hangingPunct="0">
+              <a:spcBef>
+                <a:spcPts val="550"/>
+              </a:spcBef>
+              <a:spcAft>
+                <a:spcPct val="0"/>
+              </a:spcAft>
+              <a:buClr>
+                <a:schemeClr val="accent1"/>
+              </a:buClr>
+              <a:buSzPct val="70000"/>
+              <a:buFont typeface="Wingdings 2" pitchFamily="18" charset="2"/>
+              <a:buChar char=""/>
+              <a:defRPr sz="2600" kern="1200">
+                <a:solidFill>
+                  <a:schemeClr val="tx1"/>
+                </a:solidFill>
+                <a:latin typeface="+mn-lt"/>
+                <a:ea typeface="+mn-ea"/>
+                <a:cs typeface="+mn-cs"/>
+              </a:defRPr>
+            </a:lvl2pPr>
+            <a:lvl3pPr marL="914423" indent="-228606" algn="l" rtl="0" eaLnBrk="0" fontAlgn="base" hangingPunct="0">
+              <a:spcBef>
+                <a:spcPts val="500"/>
+              </a:spcBef>
+              <a:spcAft>
+                <a:spcPct val="0"/>
+              </a:spcAft>
+              <a:buClr>
+                <a:schemeClr val="accent2"/>
+              </a:buClr>
+              <a:buSzPct val="75000"/>
+              <a:buFont typeface="Wingdings" pitchFamily="2" charset="2"/>
+              <a:buChar char=""/>
+              <a:defRPr sz="2300" kern="1200">
+                <a:solidFill>
+                  <a:schemeClr val="tx1"/>
+                </a:solidFill>
+                <a:latin typeface="+mn-lt"/>
+                <a:ea typeface="+mn-ea"/>
+                <a:cs typeface="+mn-cs"/>
+              </a:defRPr>
+            </a:lvl3pPr>
+            <a:lvl4pPr marL="1371634" indent="-228606" algn="l" rtl="0" eaLnBrk="0" fontAlgn="base" hangingPunct="0">
+              <a:spcBef>
+                <a:spcPts val="400"/>
+              </a:spcBef>
+              <a:spcAft>
+                <a:spcPct val="0"/>
+              </a:spcAft>
+              <a:buClr>
+                <a:srgbClr val="C32D2E"/>
+              </a:buClr>
+              <a:buSzPct val="75000"/>
+              <a:buFont typeface="Wingdings" pitchFamily="2" charset="2"/>
+              <a:buChar char=""/>
+              <a:defRPr sz="2000" kern="1200">
+                <a:solidFill>
+                  <a:schemeClr val="tx1"/>
+                </a:solidFill>
+                <a:latin typeface="+mn-lt"/>
+                <a:ea typeface="+mn-ea"/>
+                <a:cs typeface="+mn-cs"/>
+              </a:defRPr>
+            </a:lvl4pPr>
+            <a:lvl5pPr marL="1828846" indent="-228606" algn="l" rtl="0" eaLnBrk="0" fontAlgn="base" hangingPunct="0">
+              <a:spcBef>
+                <a:spcPts val="400"/>
+              </a:spcBef>
+              <a:spcAft>
+                <a:spcPct val="0"/>
+              </a:spcAft>
+              <a:buClr>
+                <a:srgbClr val="84AA33"/>
+              </a:buClr>
+              <a:buSzPct val="65000"/>
+              <a:buFont typeface="Wingdings" pitchFamily="2" charset="2"/>
+              <a:buChar char=""/>
+              <a:defRPr sz="2000" kern="1200">
+                <a:solidFill>
+                  <a:schemeClr val="tx1"/>
+                </a:solidFill>
+                <a:latin typeface="+mn-lt"/>
+                <a:ea typeface="+mn-ea"/>
+                <a:cs typeface="+mn-cs"/>
+              </a:defRPr>
+            </a:lvl5pPr>
+            <a:lvl6pPr marL="2103173" indent="-228606" algn="l" rtl="0" eaLnBrk="1" latinLnBrk="0" hangingPunct="1">
+              <a:spcBef>
+                <a:spcPct val="20000"/>
+              </a:spcBef>
+              <a:buClr>
+                <a:schemeClr val="accent1"/>
+              </a:buClr>
+              <a:buFont typeface="Wingdings"/>
+              <a:buChar char="§"/>
+              <a:defRPr sz="1800" kern="1200" baseline="0">
+                <a:solidFill>
+                  <a:schemeClr val="tx1"/>
+                </a:solidFill>
+                <a:latin typeface="+mn-lt"/>
+                <a:ea typeface="+mn-ea"/>
+                <a:cs typeface="+mn-cs"/>
+              </a:defRPr>
+            </a:lvl6pPr>
+            <a:lvl7pPr marL="2377499" indent="-228606" algn="l" rtl="0" eaLnBrk="1" latinLnBrk="0" hangingPunct="1">
+              <a:spcBef>
+                <a:spcPct val="20000"/>
+              </a:spcBef>
+              <a:buClr>
+                <a:schemeClr val="accent2"/>
+              </a:buClr>
+              <a:buFont typeface="Wingdings"/>
+              <a:buChar char="§"/>
+              <a:defRPr sz="1800" kern="1200" baseline="0">
+                <a:solidFill>
+                  <a:schemeClr val="tx1"/>
+                </a:solidFill>
+                <a:latin typeface="+mn-lt"/>
+                <a:ea typeface="+mn-ea"/>
+                <a:cs typeface="+mn-cs"/>
+              </a:defRPr>
+            </a:lvl7pPr>
+            <a:lvl8pPr marL="2651826" indent="-228606" algn="l" rtl="0" eaLnBrk="1" latinLnBrk="0" hangingPunct="1">
+              <a:spcBef>
+                <a:spcPct val="20000"/>
+              </a:spcBef>
+              <a:buClr>
+                <a:schemeClr val="accent3"/>
+              </a:buClr>
+              <a:buFont typeface="Wingdings"/>
+              <a:buChar char="§"/>
+              <a:defRPr sz="1800" kern="1200" baseline="0">
+                <a:solidFill>
+                  <a:schemeClr val="tx1"/>
+                </a:solidFill>
+                <a:latin typeface="+mn-lt"/>
+                <a:ea typeface="+mn-ea"/>
+                <a:cs typeface="+mn-cs"/>
+              </a:defRPr>
+            </a:lvl8pPr>
+            <a:lvl9pPr marL="2926153" indent="-228606" algn="l" rtl="0" eaLnBrk="1" latinLnBrk="0" hangingPunct="1">
+              <a:spcBef>
+                <a:spcPct val="20000"/>
+              </a:spcBef>
+              <a:buClr>
+                <a:schemeClr val="accent4"/>
+              </a:buClr>
+              <a:buFont typeface="Wingdings"/>
+              <a:buChar char="§"/>
+              <a:defRPr sz="1800" kern="1200" baseline="0">
+                <a:solidFill>
+                  <a:schemeClr val="tx1"/>
+                </a:solidFill>
+                <a:latin typeface="+mn-lt"/>
+                <a:ea typeface="+mn-ea"/>
+                <a:cs typeface="+mn-cs"/>
+              </a:defRPr>
+            </a:lvl9pPr>
+          </a:lstStyle>
+          <a:p>
+            <a:r>
+              <a:rPr lang="en-US" altLang="zh-CN" sz="3600" dirty="0"/>
+              <a:t>RC</a:t>
+            </a:r>
+            <a:r>
+              <a:rPr lang="zh-CN" altLang="en-US" sz="3600" dirty="0"/>
+              <a:t>电路的时间常数：</a:t>
+            </a:r>
+            <a:r>
+              <a:rPr lang="en-US" altLang="zh-CN" sz="3600" dirty="0"/>
+              <a:t>τ=RC</a:t>
+            </a:r>
+          </a:p>
+          <a:p>
+            <a:r>
+              <a:rPr lang="zh-CN" altLang="en-US" sz="3600" dirty="0"/>
+              <a:t>充电时，</a:t>
+            </a:r>
+            <a:r>
+              <a:rPr lang="en-US" altLang="zh-CN" sz="3600" dirty="0" err="1"/>
+              <a:t>Uc</a:t>
+            </a:r>
+            <a:r>
+              <a:rPr lang="en-US" altLang="zh-CN" sz="3600" dirty="0"/>
+              <a:t>=VCC×[1-exp(-t/τ)] ,VCC</a:t>
+            </a:r>
+            <a:r>
+              <a:rPr lang="zh-CN" altLang="en-US" sz="3600" dirty="0"/>
+              <a:t>是电源电压</a:t>
+            </a:r>
+          </a:p>
+          <a:p>
+            <a:r>
+              <a:rPr lang="zh-CN" altLang="en-US" sz="3600" dirty="0"/>
+              <a:t>设</a:t>
+            </a:r>
+            <a:r>
+              <a:rPr lang="en-US" altLang="zh-CN" sz="3600" dirty="0" err="1"/>
+              <a:t>Uc</a:t>
+            </a:r>
+            <a:r>
+              <a:rPr lang="zh-CN" altLang="en-US" sz="3600" dirty="0"/>
+              <a:t>充电至</a:t>
+            </a:r>
+            <a:r>
+              <a:rPr lang="en-US" altLang="zh-CN" sz="3600" dirty="0"/>
+              <a:t>0.9VCC</a:t>
+            </a:r>
+            <a:r>
+              <a:rPr lang="zh-CN" altLang="en-US" sz="3600" dirty="0"/>
+              <a:t>完成复位</a:t>
+            </a:r>
+            <a:endParaRPr lang="en-US" altLang="zh-CN" sz="3600" dirty="0"/>
+          </a:p>
+          <a:p>
+            <a:r>
+              <a:rPr lang="fr-FR" altLang="zh-CN" sz="3600" dirty="0"/>
+              <a:t>0.9VCC=VCC*[[1-exp(-t/RC)]</a:t>
+            </a:r>
+          </a:p>
+          <a:p>
+            <a:r>
+              <a:rPr lang="fr-FR" altLang="zh-CN" sz="3600" dirty="0"/>
+              <a:t>exp(-t/RC</a:t>
+            </a:r>
+            <a:r>
+              <a:rPr lang="zh-CN" altLang="fr-FR" sz="3600" dirty="0"/>
+              <a:t>）</a:t>
+            </a:r>
+            <a:r>
+              <a:rPr lang="fr-FR" altLang="zh-CN" sz="3600" dirty="0"/>
+              <a:t>=0.1</a:t>
+            </a:r>
+          </a:p>
+          <a:p>
+            <a:r>
+              <a:rPr lang="zh-CN" altLang="en-US" sz="3600" dirty="0"/>
+              <a:t>设</a:t>
+            </a:r>
+            <a:r>
+              <a:rPr lang="fr-FR" altLang="zh-CN" sz="3600" dirty="0"/>
+              <a:t>R=10k</a:t>
+            </a:r>
+            <a:r>
+              <a:rPr lang="en-US" altLang="zh-CN" sz="3600" dirty="0"/>
+              <a:t>Ω</a:t>
+            </a:r>
+            <a:r>
+              <a:rPr lang="fr-FR" altLang="zh-CN" sz="3600" dirty="0"/>
+              <a:t>,C=10</a:t>
+            </a:r>
+            <a:r>
+              <a:rPr lang="en-US" altLang="zh-CN" sz="3600" dirty="0"/>
+              <a:t>μ</a:t>
+            </a:r>
+            <a:r>
+              <a:rPr lang="fr-FR" altLang="zh-CN" sz="3600" dirty="0"/>
+              <a:t>F</a:t>
+            </a:r>
+          </a:p>
+          <a:p>
+            <a:r>
+              <a:rPr lang="en-US" altLang="zh-CN" sz="3600" dirty="0"/>
+              <a:t>t=RC*Ln(10)</a:t>
+            </a:r>
+            <a:r>
+              <a:rPr lang="zh-CN" altLang="en-US" sz="3600" dirty="0"/>
+              <a:t>≈</a:t>
+            </a:r>
+            <a:r>
+              <a:rPr lang="en-US" altLang="zh-CN" sz="3600" dirty="0"/>
+              <a:t>230ms</a:t>
+            </a:r>
+            <a:endParaRPr lang="fr-FR" altLang="zh-CN" sz="3600" dirty="0"/>
+          </a:p>
+        </p:txBody>
+      </p:sp>
+    </p:spTree>
+    <p:extLst>
+      <p:ext uri="{BB962C8B-B14F-4D97-AF65-F5344CB8AC3E}">
+        <p14:creationId xmlns:p14="http://schemas.microsoft.com/office/powerpoint/2010/main" val="2598073685"/>
+      </p:ext>
+    </p:extLst>
+  </p:cSld>
+  <p:clrMapOvr>
+    <a:masterClrMapping/>
+  </p:clrMapOvr>
+</p:sld>
+</file>
+
+<file path=ppt/slides/slide67.xml><?xml version="1.0" encoding="utf-8"?>
 <p:sld xmlns:a="http://schemas.openxmlformats.org/drawingml/2006/main" xmlns:r="http://schemas.openxmlformats.org/officeDocument/2006/relationships" xmlns:p="http://schemas.openxmlformats.org/presentationml/2006/main">
   <p:cSld>
     <p:spTree>
